--- a/GestaoFinancaPessoal/GestaoFinancaPessoal/Documentos/525/Entrega-01/UserStories.pptx
+++ b/GestaoFinancaPessoal/GestaoFinancaPessoal/Documentos/525/Entrega-01/UserStories.pptx
@@ -3343,7 +3343,7 @@
           <p:nvPr>
             <p:extLst>
               <p:ext uri="{D42A27DB-BD31-4B8C-83A1-F6EECF244321}">
-                <p14:modId xmlns:p14="http://schemas.microsoft.com/office/powerpoint/2010/main" val="3224372506"/>
+                <p14:modId xmlns:p14="http://schemas.microsoft.com/office/powerpoint/2010/main" val="4284450419"/>
               </p:ext>
             </p:extLst>
           </p:nvPr>
@@ -5336,8 +5336,33 @@
                           <a:latin typeface="Arial" charset="0"/>
                           <a:cs typeface="Arial" charset="0"/>
                         </a:rPr>
-                        <a:t>RN04. Uma conta não pode ser excluída, apenas desativada.</a:t>
+                        <a:t>RN04. Uma conta pode </a:t>
                       </a:r>
+                      <a:r>
+                        <a:rPr kumimoji="0" lang="pt-BR" altLang="pt-BR" sz="1200" b="1" i="0" u="none" strike="noStrike" cap="none" normalizeH="0" baseline="0">
+                          <a:ln>
+                            <a:noFill/>
+                          </a:ln>
+                          <a:solidFill>
+                            <a:srgbClr val="123452"/>
+                          </a:solidFill>
+                          <a:effectLst/>
+                          <a:latin typeface="Arial" charset="0"/>
+                          <a:cs typeface="Arial" charset="0"/>
+                        </a:rPr>
+                        <a:t>ser excluída.</a:t>
+                      </a:r>
+                      <a:endParaRPr kumimoji="0" lang="pt-BR" altLang="pt-BR" sz="1200" b="1" i="0" u="none" strike="noStrike" cap="none" normalizeH="0" baseline="0" dirty="0">
+                        <a:ln>
+                          <a:noFill/>
+                        </a:ln>
+                        <a:solidFill>
+                          <a:srgbClr val="123452"/>
+                        </a:solidFill>
+                        <a:effectLst/>
+                        <a:latin typeface="Arial" charset="0"/>
+                        <a:cs typeface="Arial" charset="0"/>
+                      </a:endParaRPr>
                     </a:p>
                   </a:txBody>
                   <a:tcPr marT="57828" marB="45730" horzOverflow="overflow">
@@ -5941,7 +5966,7 @@
                         </a:tabLst>
                       </a:pPr>
                       <a:r>
-                        <a:rPr kumimoji="0" lang="pt-BR" altLang="pt-BR" sz="1200" b="1" i="0" u="none" strike="noStrike" cap="none" normalizeH="0" baseline="0">
+                        <a:rPr kumimoji="0" lang="pt-BR" altLang="pt-BR" sz="1200" b="1" i="0" u="none" strike="noStrike" cap="none" normalizeH="0" baseline="0" dirty="0">
                           <a:ln>
                             <a:noFill/>
                           </a:ln>
@@ -5952,21 +5977,7 @@
                           <a:latin typeface="Arial" charset="0"/>
                           <a:cs typeface="Arial" charset="0"/>
                         </a:rPr>
-                        <a:t>TA</a:t>
-                      </a:r>
-                      <a:r>
-                        <a:rPr kumimoji="0" lang="pt-BR" altLang="pt-BR" sz="1200" b="1" i="0" u="none" strike="noStrike" cap="none" normalizeH="0" baseline="0" dirty="0">
-                          <a:ln>
-                            <a:noFill/>
-                          </a:ln>
-                          <a:solidFill>
-                            <a:srgbClr val="00B050"/>
-                          </a:solidFill>
-                          <a:effectLst/>
-                          <a:latin typeface="Arial" charset="0"/>
-                          <a:cs typeface="Arial" charset="0"/>
-                        </a:rPr>
-                        <a:t>.1.6 – Tentar suspender uma conta.</a:t>
+                        <a:t>TA.1.6 – Tentar excluir uma conta.</a:t>
                       </a:r>
                     </a:p>
                     <a:p>
